--- a/ppt 16-9/1294.歌颂赞美主.pptx
+++ b/ppt 16-9/1294.歌颂赞美主.pptx
@@ -5,7 +5,7 @@
     <p:sldMasterId id="2147483648" r:id="rId1"/>
   </p:sldMasterIdLst>
   <p:sldIdLst>
-    <p:sldId id="843" r:id="rId2"/>
+    <p:sldId id="844" r:id="rId2"/>
   </p:sldIdLst>
   <p:sldSz cx="12192000" cy="6858000"/>
   <p:notesSz cx="6858000" cy="9144000"/>
@@ -129,7 +129,7 @@
           <p:cNvPr id="2" name="标题 1">
             <a:extLst>
               <a:ext uri="{FF2B5EF4-FFF2-40B4-BE49-F238E27FC236}">
-                <a16:creationId xmlns:a16="http://schemas.microsoft.com/office/drawing/2014/main" id="{38623FAF-45FA-064E-95C5-5EFDBD8EA393}"/>
+                <a16:creationId xmlns:a16="http://schemas.microsoft.com/office/drawing/2014/main" id="{375D1FF6-596C-0FFE-9ADD-A923C152B260}"/>
               </a:ext>
             </a:extLst>
           </p:cNvPr>
@@ -166,7 +166,7 @@
           <p:cNvPr id="3" name="副标题 2">
             <a:extLst>
               <a:ext uri="{FF2B5EF4-FFF2-40B4-BE49-F238E27FC236}">
-                <a16:creationId xmlns:a16="http://schemas.microsoft.com/office/drawing/2014/main" id="{C804242F-804E-935C-19C4-DE2F34CEF14A}"/>
+                <a16:creationId xmlns:a16="http://schemas.microsoft.com/office/drawing/2014/main" id="{F78B0B5C-D863-41B4-800D-3BEEE9087A38}"/>
               </a:ext>
             </a:extLst>
           </p:cNvPr>
@@ -236,7 +236,7 @@
           <p:cNvPr id="4" name="日期占位符 3">
             <a:extLst>
               <a:ext uri="{FF2B5EF4-FFF2-40B4-BE49-F238E27FC236}">
-                <a16:creationId xmlns:a16="http://schemas.microsoft.com/office/drawing/2014/main" id="{E8543DD3-4606-E613-9D3A-AE1399F5F554}"/>
+                <a16:creationId xmlns:a16="http://schemas.microsoft.com/office/drawing/2014/main" id="{357E2DCD-2560-5879-D983-17EBAE8A74A9}"/>
               </a:ext>
             </a:extLst>
           </p:cNvPr>
@@ -252,7 +252,7 @@
           <a:bodyPr/>
           <a:lstStyle/>
           <a:p>
-            <a:fld id="{02BCC9E6-7896-4C53-9140-261BAB4FE0CE}" type="datetimeFigureOut">
+            <a:fld id="{2D9DC7C4-977D-4195-8452-96EC12BB99B4}" type="datetimeFigureOut">
               <a:rPr lang="zh-CN" altLang="en-US" smtClean="0"/>
               <a:t>2024/3/10</a:t>
             </a:fld>
@@ -265,7 +265,7 @@
           <p:cNvPr id="5" name="页脚占位符 4">
             <a:extLst>
               <a:ext uri="{FF2B5EF4-FFF2-40B4-BE49-F238E27FC236}">
-                <a16:creationId xmlns:a16="http://schemas.microsoft.com/office/drawing/2014/main" id="{04D52F44-3531-17C5-AF81-CC93BB25BC0A}"/>
+                <a16:creationId xmlns:a16="http://schemas.microsoft.com/office/drawing/2014/main" id="{B16BDA92-A7A5-4CFE-D31E-28AAED8D34C4}"/>
               </a:ext>
             </a:extLst>
           </p:cNvPr>
@@ -290,7 +290,7 @@
           <p:cNvPr id="6" name="灯片编号占位符 5">
             <a:extLst>
               <a:ext uri="{FF2B5EF4-FFF2-40B4-BE49-F238E27FC236}">
-                <a16:creationId xmlns:a16="http://schemas.microsoft.com/office/drawing/2014/main" id="{90955B04-355F-A880-1C94-1B777C794CE6}"/>
+                <a16:creationId xmlns:a16="http://schemas.microsoft.com/office/drawing/2014/main" id="{82D61496-8C12-7A21-134B-C90A869FEE46}"/>
               </a:ext>
             </a:extLst>
           </p:cNvPr>
@@ -306,7 +306,7 @@
           <a:bodyPr/>
           <a:lstStyle/>
           <a:p>
-            <a:fld id="{D2A8C7BD-5BBD-40C0-B9C2-D862722F980D}" type="slidenum">
+            <a:fld id="{9D92C1EC-5805-4333-BD51-CE2AB297D5CE}" type="slidenum">
               <a:rPr lang="zh-CN" altLang="en-US" smtClean="0"/>
               <a:t>‹#›</a:t>
             </a:fld>
@@ -317,7 +317,7 @@
     </p:spTree>
     <p:extLst>
       <p:ext uri="{BB962C8B-B14F-4D97-AF65-F5344CB8AC3E}">
-        <p14:creationId xmlns:p14="http://schemas.microsoft.com/office/powerpoint/2010/main" val="1566969783"/>
+        <p14:creationId xmlns:p14="http://schemas.microsoft.com/office/powerpoint/2010/main" val="508529667"/>
       </p:ext>
     </p:extLst>
   </p:cSld>
@@ -349,7 +349,7 @@
           <p:cNvPr id="2" name="标题 1">
             <a:extLst>
               <a:ext uri="{FF2B5EF4-FFF2-40B4-BE49-F238E27FC236}">
-                <a16:creationId xmlns:a16="http://schemas.microsoft.com/office/drawing/2014/main" id="{E595372D-80CD-1487-D14C-9BC3C0EC275F}"/>
+                <a16:creationId xmlns:a16="http://schemas.microsoft.com/office/drawing/2014/main" id="{846FD871-A06B-888E-4CB9-E1FB43E03E86}"/>
               </a:ext>
             </a:extLst>
           </p:cNvPr>
@@ -377,7 +377,7 @@
           <p:cNvPr id="3" name="竖排文字占位符 2">
             <a:extLst>
               <a:ext uri="{FF2B5EF4-FFF2-40B4-BE49-F238E27FC236}">
-                <a16:creationId xmlns:a16="http://schemas.microsoft.com/office/drawing/2014/main" id="{D8C59319-8197-66F1-B1B1-F4F857F10238}"/>
+                <a16:creationId xmlns:a16="http://schemas.microsoft.com/office/drawing/2014/main" id="{511B4ABB-5D87-6D16-3A58-6797A8663EC4}"/>
               </a:ext>
             </a:extLst>
           </p:cNvPr>
@@ -434,7 +434,7 @@
           <p:cNvPr id="4" name="日期占位符 3">
             <a:extLst>
               <a:ext uri="{FF2B5EF4-FFF2-40B4-BE49-F238E27FC236}">
-                <a16:creationId xmlns:a16="http://schemas.microsoft.com/office/drawing/2014/main" id="{B032001C-C36F-E5C1-2164-2622DE8D10F9}"/>
+                <a16:creationId xmlns:a16="http://schemas.microsoft.com/office/drawing/2014/main" id="{CB25215F-6E8E-2388-AEE3-608751C0D09F}"/>
               </a:ext>
             </a:extLst>
           </p:cNvPr>
@@ -450,7 +450,7 @@
           <a:bodyPr/>
           <a:lstStyle/>
           <a:p>
-            <a:fld id="{02BCC9E6-7896-4C53-9140-261BAB4FE0CE}" type="datetimeFigureOut">
+            <a:fld id="{2D9DC7C4-977D-4195-8452-96EC12BB99B4}" type="datetimeFigureOut">
               <a:rPr lang="zh-CN" altLang="en-US" smtClean="0"/>
               <a:t>2024/3/10</a:t>
             </a:fld>
@@ -463,7 +463,7 @@
           <p:cNvPr id="5" name="页脚占位符 4">
             <a:extLst>
               <a:ext uri="{FF2B5EF4-FFF2-40B4-BE49-F238E27FC236}">
-                <a16:creationId xmlns:a16="http://schemas.microsoft.com/office/drawing/2014/main" id="{A1EFD3DB-4329-6EE2-BEC6-A2F5DC6503CF}"/>
+                <a16:creationId xmlns:a16="http://schemas.microsoft.com/office/drawing/2014/main" id="{B8760509-C0C0-3BEE-EAAA-AF8B5DF959B2}"/>
               </a:ext>
             </a:extLst>
           </p:cNvPr>
@@ -488,7 +488,7 @@
           <p:cNvPr id="6" name="灯片编号占位符 5">
             <a:extLst>
               <a:ext uri="{FF2B5EF4-FFF2-40B4-BE49-F238E27FC236}">
-                <a16:creationId xmlns:a16="http://schemas.microsoft.com/office/drawing/2014/main" id="{B7083F5C-485A-937F-964A-EC3C941D6B64}"/>
+                <a16:creationId xmlns:a16="http://schemas.microsoft.com/office/drawing/2014/main" id="{BBE606F5-3BF0-7E8E-4A24-C6FD0785824D}"/>
               </a:ext>
             </a:extLst>
           </p:cNvPr>
@@ -504,7 +504,7 @@
           <a:bodyPr/>
           <a:lstStyle/>
           <a:p>
-            <a:fld id="{D2A8C7BD-5BBD-40C0-B9C2-D862722F980D}" type="slidenum">
+            <a:fld id="{9D92C1EC-5805-4333-BD51-CE2AB297D5CE}" type="slidenum">
               <a:rPr lang="zh-CN" altLang="en-US" smtClean="0"/>
               <a:t>‹#›</a:t>
             </a:fld>
@@ -515,7 +515,7 @@
     </p:spTree>
     <p:extLst>
       <p:ext uri="{BB962C8B-B14F-4D97-AF65-F5344CB8AC3E}">
-        <p14:creationId xmlns:p14="http://schemas.microsoft.com/office/powerpoint/2010/main" val="2130404259"/>
+        <p14:creationId xmlns:p14="http://schemas.microsoft.com/office/powerpoint/2010/main" val="814625257"/>
       </p:ext>
     </p:extLst>
   </p:cSld>
@@ -547,7 +547,7 @@
           <p:cNvPr id="2" name="竖排标题 1">
             <a:extLst>
               <a:ext uri="{FF2B5EF4-FFF2-40B4-BE49-F238E27FC236}">
-                <a16:creationId xmlns:a16="http://schemas.microsoft.com/office/drawing/2014/main" id="{3BF9CDF6-80B6-1DD9-BCCE-1B8A769D6C29}"/>
+                <a16:creationId xmlns:a16="http://schemas.microsoft.com/office/drawing/2014/main" id="{8FA8CC73-328D-A647-3376-D62F1206B38E}"/>
               </a:ext>
             </a:extLst>
           </p:cNvPr>
@@ -580,7 +580,7 @@
           <p:cNvPr id="3" name="竖排文字占位符 2">
             <a:extLst>
               <a:ext uri="{FF2B5EF4-FFF2-40B4-BE49-F238E27FC236}">
-                <a16:creationId xmlns:a16="http://schemas.microsoft.com/office/drawing/2014/main" id="{0DA0F15A-4BAE-C1A2-98DF-EFA9019BD7A0}"/>
+                <a16:creationId xmlns:a16="http://schemas.microsoft.com/office/drawing/2014/main" id="{8C11989F-F710-6319-E71E-29457E2478CB}"/>
               </a:ext>
             </a:extLst>
           </p:cNvPr>
@@ -642,7 +642,7 @@
           <p:cNvPr id="4" name="日期占位符 3">
             <a:extLst>
               <a:ext uri="{FF2B5EF4-FFF2-40B4-BE49-F238E27FC236}">
-                <a16:creationId xmlns:a16="http://schemas.microsoft.com/office/drawing/2014/main" id="{CA932FDD-F660-7CEF-1F3E-4505A94025D3}"/>
+                <a16:creationId xmlns:a16="http://schemas.microsoft.com/office/drawing/2014/main" id="{CA68E46E-DFFC-444B-C9C8-430CCC2F2779}"/>
               </a:ext>
             </a:extLst>
           </p:cNvPr>
@@ -658,7 +658,7 @@
           <a:bodyPr/>
           <a:lstStyle/>
           <a:p>
-            <a:fld id="{02BCC9E6-7896-4C53-9140-261BAB4FE0CE}" type="datetimeFigureOut">
+            <a:fld id="{2D9DC7C4-977D-4195-8452-96EC12BB99B4}" type="datetimeFigureOut">
               <a:rPr lang="zh-CN" altLang="en-US" smtClean="0"/>
               <a:t>2024/3/10</a:t>
             </a:fld>
@@ -671,7 +671,7 @@
           <p:cNvPr id="5" name="页脚占位符 4">
             <a:extLst>
               <a:ext uri="{FF2B5EF4-FFF2-40B4-BE49-F238E27FC236}">
-                <a16:creationId xmlns:a16="http://schemas.microsoft.com/office/drawing/2014/main" id="{D0192C05-C279-B870-E884-8A5F05042575}"/>
+                <a16:creationId xmlns:a16="http://schemas.microsoft.com/office/drawing/2014/main" id="{846049A8-E41C-A7E6-D497-34A936CEF294}"/>
               </a:ext>
             </a:extLst>
           </p:cNvPr>
@@ -696,7 +696,7 @@
           <p:cNvPr id="6" name="灯片编号占位符 5">
             <a:extLst>
               <a:ext uri="{FF2B5EF4-FFF2-40B4-BE49-F238E27FC236}">
-                <a16:creationId xmlns:a16="http://schemas.microsoft.com/office/drawing/2014/main" id="{6959A224-2A57-E563-63EB-B355BB3B44AD}"/>
+                <a16:creationId xmlns:a16="http://schemas.microsoft.com/office/drawing/2014/main" id="{05CD830E-AD04-8C65-49A8-D3B6CD99D382}"/>
               </a:ext>
             </a:extLst>
           </p:cNvPr>
@@ -712,7 +712,7 @@
           <a:bodyPr/>
           <a:lstStyle/>
           <a:p>
-            <a:fld id="{D2A8C7BD-5BBD-40C0-B9C2-D862722F980D}" type="slidenum">
+            <a:fld id="{9D92C1EC-5805-4333-BD51-CE2AB297D5CE}" type="slidenum">
               <a:rPr lang="zh-CN" altLang="en-US" smtClean="0"/>
               <a:t>‹#›</a:t>
             </a:fld>
@@ -723,7 +723,7 @@
     </p:spTree>
     <p:extLst>
       <p:ext uri="{BB962C8B-B14F-4D97-AF65-F5344CB8AC3E}">
-        <p14:creationId xmlns:p14="http://schemas.microsoft.com/office/powerpoint/2010/main" val="2882360002"/>
+        <p14:creationId xmlns:p14="http://schemas.microsoft.com/office/powerpoint/2010/main" val="3687189766"/>
       </p:ext>
     </p:extLst>
   </p:cSld>
@@ -755,7 +755,7 @@
           <p:cNvPr id="2" name="标题 1">
             <a:extLst>
               <a:ext uri="{FF2B5EF4-FFF2-40B4-BE49-F238E27FC236}">
-                <a16:creationId xmlns:a16="http://schemas.microsoft.com/office/drawing/2014/main" id="{A2AB65A3-4E29-5B40-64F8-47E8D84BEF8B}"/>
+                <a16:creationId xmlns:a16="http://schemas.microsoft.com/office/drawing/2014/main" id="{4362137F-0A2D-908D-8F48-062167F76E0A}"/>
               </a:ext>
             </a:extLst>
           </p:cNvPr>
@@ -783,7 +783,7 @@
           <p:cNvPr id="3" name="内容占位符 2">
             <a:extLst>
               <a:ext uri="{FF2B5EF4-FFF2-40B4-BE49-F238E27FC236}">
-                <a16:creationId xmlns:a16="http://schemas.microsoft.com/office/drawing/2014/main" id="{D906E181-2888-D8E8-9F09-D4988C69B840}"/>
+                <a16:creationId xmlns:a16="http://schemas.microsoft.com/office/drawing/2014/main" id="{D01F33F3-52E2-95A0-3F56-6CD18EDDE1A5}"/>
               </a:ext>
             </a:extLst>
           </p:cNvPr>
@@ -840,7 +840,7 @@
           <p:cNvPr id="4" name="日期占位符 3">
             <a:extLst>
               <a:ext uri="{FF2B5EF4-FFF2-40B4-BE49-F238E27FC236}">
-                <a16:creationId xmlns:a16="http://schemas.microsoft.com/office/drawing/2014/main" id="{EB97D726-B01F-09AC-49A8-84A00BBD9265}"/>
+                <a16:creationId xmlns:a16="http://schemas.microsoft.com/office/drawing/2014/main" id="{368C2B83-0730-1C6B-B0C0-9378E64E433D}"/>
               </a:ext>
             </a:extLst>
           </p:cNvPr>
@@ -856,7 +856,7 @@
           <a:bodyPr/>
           <a:lstStyle/>
           <a:p>
-            <a:fld id="{02BCC9E6-7896-4C53-9140-261BAB4FE0CE}" type="datetimeFigureOut">
+            <a:fld id="{2D9DC7C4-977D-4195-8452-96EC12BB99B4}" type="datetimeFigureOut">
               <a:rPr lang="zh-CN" altLang="en-US" smtClean="0"/>
               <a:t>2024/3/10</a:t>
             </a:fld>
@@ -869,7 +869,7 @@
           <p:cNvPr id="5" name="页脚占位符 4">
             <a:extLst>
               <a:ext uri="{FF2B5EF4-FFF2-40B4-BE49-F238E27FC236}">
-                <a16:creationId xmlns:a16="http://schemas.microsoft.com/office/drawing/2014/main" id="{4B59C49E-3437-F47F-4EE4-B0C84652C767}"/>
+                <a16:creationId xmlns:a16="http://schemas.microsoft.com/office/drawing/2014/main" id="{9EC21EFF-BE11-949E-367C-5D7BB1033F2F}"/>
               </a:ext>
             </a:extLst>
           </p:cNvPr>
@@ -894,7 +894,7 @@
           <p:cNvPr id="6" name="灯片编号占位符 5">
             <a:extLst>
               <a:ext uri="{FF2B5EF4-FFF2-40B4-BE49-F238E27FC236}">
-                <a16:creationId xmlns:a16="http://schemas.microsoft.com/office/drawing/2014/main" id="{E88A1A2B-F44A-F81E-8C6C-25D9CF609843}"/>
+                <a16:creationId xmlns:a16="http://schemas.microsoft.com/office/drawing/2014/main" id="{0537DE3F-5980-086E-7BD3-990E9C2882D4}"/>
               </a:ext>
             </a:extLst>
           </p:cNvPr>
@@ -910,7 +910,7 @@
           <a:bodyPr/>
           <a:lstStyle/>
           <a:p>
-            <a:fld id="{D2A8C7BD-5BBD-40C0-B9C2-D862722F980D}" type="slidenum">
+            <a:fld id="{9D92C1EC-5805-4333-BD51-CE2AB297D5CE}" type="slidenum">
               <a:rPr lang="zh-CN" altLang="en-US" smtClean="0"/>
               <a:t>‹#›</a:t>
             </a:fld>
@@ -921,7 +921,7 @@
     </p:spTree>
     <p:extLst>
       <p:ext uri="{BB962C8B-B14F-4D97-AF65-F5344CB8AC3E}">
-        <p14:creationId xmlns:p14="http://schemas.microsoft.com/office/powerpoint/2010/main" val="1592622960"/>
+        <p14:creationId xmlns:p14="http://schemas.microsoft.com/office/powerpoint/2010/main" val="2714167269"/>
       </p:ext>
     </p:extLst>
   </p:cSld>
@@ -953,7 +953,7 @@
           <p:cNvPr id="2" name="标题 1">
             <a:extLst>
               <a:ext uri="{FF2B5EF4-FFF2-40B4-BE49-F238E27FC236}">
-                <a16:creationId xmlns:a16="http://schemas.microsoft.com/office/drawing/2014/main" id="{589A43CA-1019-6740-93EF-4635EAAAE42D}"/>
+                <a16:creationId xmlns:a16="http://schemas.microsoft.com/office/drawing/2014/main" id="{951E7EA9-38B0-AA9A-D7C8-7D8756036F3C}"/>
               </a:ext>
             </a:extLst>
           </p:cNvPr>
@@ -990,7 +990,7 @@
           <p:cNvPr id="3" name="文本占位符 2">
             <a:extLst>
               <a:ext uri="{FF2B5EF4-FFF2-40B4-BE49-F238E27FC236}">
-                <a16:creationId xmlns:a16="http://schemas.microsoft.com/office/drawing/2014/main" id="{0AF569B9-8F7E-9AB6-33F7-B5EFD6B5FBD9}"/>
+                <a16:creationId xmlns:a16="http://schemas.microsoft.com/office/drawing/2014/main" id="{AFB71900-3548-4413-22E7-7522758279FC}"/>
               </a:ext>
             </a:extLst>
           </p:cNvPr>
@@ -1115,7 +1115,7 @@
           <p:cNvPr id="4" name="日期占位符 3">
             <a:extLst>
               <a:ext uri="{FF2B5EF4-FFF2-40B4-BE49-F238E27FC236}">
-                <a16:creationId xmlns:a16="http://schemas.microsoft.com/office/drawing/2014/main" id="{7C10B710-D2ED-5002-C6E0-67127A58EB71}"/>
+                <a16:creationId xmlns:a16="http://schemas.microsoft.com/office/drawing/2014/main" id="{BBF63C47-5AA1-49DE-21C9-ED836D35F9BE}"/>
               </a:ext>
             </a:extLst>
           </p:cNvPr>
@@ -1131,7 +1131,7 @@
           <a:bodyPr/>
           <a:lstStyle/>
           <a:p>
-            <a:fld id="{02BCC9E6-7896-4C53-9140-261BAB4FE0CE}" type="datetimeFigureOut">
+            <a:fld id="{2D9DC7C4-977D-4195-8452-96EC12BB99B4}" type="datetimeFigureOut">
               <a:rPr lang="zh-CN" altLang="en-US" smtClean="0"/>
               <a:t>2024/3/10</a:t>
             </a:fld>
@@ -1144,7 +1144,7 @@
           <p:cNvPr id="5" name="页脚占位符 4">
             <a:extLst>
               <a:ext uri="{FF2B5EF4-FFF2-40B4-BE49-F238E27FC236}">
-                <a16:creationId xmlns:a16="http://schemas.microsoft.com/office/drawing/2014/main" id="{2EA9B089-B93F-231A-08EF-F37694A895B6}"/>
+                <a16:creationId xmlns:a16="http://schemas.microsoft.com/office/drawing/2014/main" id="{A7DF7293-6541-088B-88EA-A30179DC91AD}"/>
               </a:ext>
             </a:extLst>
           </p:cNvPr>
@@ -1169,7 +1169,7 @@
           <p:cNvPr id="6" name="灯片编号占位符 5">
             <a:extLst>
               <a:ext uri="{FF2B5EF4-FFF2-40B4-BE49-F238E27FC236}">
-                <a16:creationId xmlns:a16="http://schemas.microsoft.com/office/drawing/2014/main" id="{17844327-FC93-2015-DA9B-A5277CF70F24}"/>
+                <a16:creationId xmlns:a16="http://schemas.microsoft.com/office/drawing/2014/main" id="{75563672-2EFA-C5F8-12FB-B66067B44386}"/>
               </a:ext>
             </a:extLst>
           </p:cNvPr>
@@ -1185,7 +1185,7 @@
           <a:bodyPr/>
           <a:lstStyle/>
           <a:p>
-            <a:fld id="{D2A8C7BD-5BBD-40C0-B9C2-D862722F980D}" type="slidenum">
+            <a:fld id="{9D92C1EC-5805-4333-BD51-CE2AB297D5CE}" type="slidenum">
               <a:rPr lang="zh-CN" altLang="en-US" smtClean="0"/>
               <a:t>‹#›</a:t>
             </a:fld>
@@ -1196,7 +1196,7 @@
     </p:spTree>
     <p:extLst>
       <p:ext uri="{BB962C8B-B14F-4D97-AF65-F5344CB8AC3E}">
-        <p14:creationId xmlns:p14="http://schemas.microsoft.com/office/powerpoint/2010/main" val="3626258144"/>
+        <p14:creationId xmlns:p14="http://schemas.microsoft.com/office/powerpoint/2010/main" val="2058612780"/>
       </p:ext>
     </p:extLst>
   </p:cSld>
@@ -1228,7 +1228,7 @@
           <p:cNvPr id="2" name="标题 1">
             <a:extLst>
               <a:ext uri="{FF2B5EF4-FFF2-40B4-BE49-F238E27FC236}">
-                <a16:creationId xmlns:a16="http://schemas.microsoft.com/office/drawing/2014/main" id="{11C4875E-9086-32C1-1E81-6A058C2ADFA3}"/>
+                <a16:creationId xmlns:a16="http://schemas.microsoft.com/office/drawing/2014/main" id="{D15D0636-53B2-D516-8B84-E94C91E9E1AD}"/>
               </a:ext>
             </a:extLst>
           </p:cNvPr>
@@ -1256,7 +1256,7 @@
           <p:cNvPr id="3" name="内容占位符 2">
             <a:extLst>
               <a:ext uri="{FF2B5EF4-FFF2-40B4-BE49-F238E27FC236}">
-                <a16:creationId xmlns:a16="http://schemas.microsoft.com/office/drawing/2014/main" id="{991ED843-AF58-BACE-8442-78EA4D924B2A}"/>
+                <a16:creationId xmlns:a16="http://schemas.microsoft.com/office/drawing/2014/main" id="{48FDA563-7C96-3609-A4A2-E4AB4C81F551}"/>
               </a:ext>
             </a:extLst>
           </p:cNvPr>
@@ -1318,7 +1318,7 @@
           <p:cNvPr id="4" name="内容占位符 3">
             <a:extLst>
               <a:ext uri="{FF2B5EF4-FFF2-40B4-BE49-F238E27FC236}">
-                <a16:creationId xmlns:a16="http://schemas.microsoft.com/office/drawing/2014/main" id="{80AA65EE-0085-72EE-52E3-8DC16FDADE79}"/>
+                <a16:creationId xmlns:a16="http://schemas.microsoft.com/office/drawing/2014/main" id="{2CB7073D-9907-C7DA-B0C9-6E60C23B3B6C}"/>
               </a:ext>
             </a:extLst>
           </p:cNvPr>
@@ -1380,7 +1380,7 @@
           <p:cNvPr id="5" name="日期占位符 4">
             <a:extLst>
               <a:ext uri="{FF2B5EF4-FFF2-40B4-BE49-F238E27FC236}">
-                <a16:creationId xmlns:a16="http://schemas.microsoft.com/office/drawing/2014/main" id="{8D62CC94-BF12-6D35-8A59-FDD777509BA6}"/>
+                <a16:creationId xmlns:a16="http://schemas.microsoft.com/office/drawing/2014/main" id="{420DC975-11E2-AF27-DE9F-09F23AEB895F}"/>
               </a:ext>
             </a:extLst>
           </p:cNvPr>
@@ -1396,7 +1396,7 @@
           <a:bodyPr/>
           <a:lstStyle/>
           <a:p>
-            <a:fld id="{02BCC9E6-7896-4C53-9140-261BAB4FE0CE}" type="datetimeFigureOut">
+            <a:fld id="{2D9DC7C4-977D-4195-8452-96EC12BB99B4}" type="datetimeFigureOut">
               <a:rPr lang="zh-CN" altLang="en-US" smtClean="0"/>
               <a:t>2024/3/10</a:t>
             </a:fld>
@@ -1409,7 +1409,7 @@
           <p:cNvPr id="6" name="页脚占位符 5">
             <a:extLst>
               <a:ext uri="{FF2B5EF4-FFF2-40B4-BE49-F238E27FC236}">
-                <a16:creationId xmlns:a16="http://schemas.microsoft.com/office/drawing/2014/main" id="{FD4DC4CC-8595-BE7C-AFC8-9FE2F22C0701}"/>
+                <a16:creationId xmlns:a16="http://schemas.microsoft.com/office/drawing/2014/main" id="{7F6E2C93-753E-F7BA-AA82-FA0EA0443BE3}"/>
               </a:ext>
             </a:extLst>
           </p:cNvPr>
@@ -1434,7 +1434,7 @@
           <p:cNvPr id="7" name="灯片编号占位符 6">
             <a:extLst>
               <a:ext uri="{FF2B5EF4-FFF2-40B4-BE49-F238E27FC236}">
-                <a16:creationId xmlns:a16="http://schemas.microsoft.com/office/drawing/2014/main" id="{A0B2AB6B-B769-1849-7FEE-44277385A504}"/>
+                <a16:creationId xmlns:a16="http://schemas.microsoft.com/office/drawing/2014/main" id="{01BC16C3-FB55-7E23-DD92-6905D84D816F}"/>
               </a:ext>
             </a:extLst>
           </p:cNvPr>
@@ -1450,7 +1450,7 @@
           <a:bodyPr/>
           <a:lstStyle/>
           <a:p>
-            <a:fld id="{D2A8C7BD-5BBD-40C0-B9C2-D862722F980D}" type="slidenum">
+            <a:fld id="{9D92C1EC-5805-4333-BD51-CE2AB297D5CE}" type="slidenum">
               <a:rPr lang="zh-CN" altLang="en-US" smtClean="0"/>
               <a:t>‹#›</a:t>
             </a:fld>
@@ -1461,7 +1461,7 @@
     </p:spTree>
     <p:extLst>
       <p:ext uri="{BB962C8B-B14F-4D97-AF65-F5344CB8AC3E}">
-        <p14:creationId xmlns:p14="http://schemas.microsoft.com/office/powerpoint/2010/main" val="3748003869"/>
+        <p14:creationId xmlns:p14="http://schemas.microsoft.com/office/powerpoint/2010/main" val="123695882"/>
       </p:ext>
     </p:extLst>
   </p:cSld>
@@ -1493,7 +1493,7 @@
           <p:cNvPr id="2" name="标题 1">
             <a:extLst>
               <a:ext uri="{FF2B5EF4-FFF2-40B4-BE49-F238E27FC236}">
-                <a16:creationId xmlns:a16="http://schemas.microsoft.com/office/drawing/2014/main" id="{2266B379-DBBB-E48B-871A-25CEC6B1C260}"/>
+                <a16:creationId xmlns:a16="http://schemas.microsoft.com/office/drawing/2014/main" id="{A99B7857-01E3-8EF3-9215-BE8C733D28C0}"/>
               </a:ext>
             </a:extLst>
           </p:cNvPr>
@@ -1526,7 +1526,7 @@
           <p:cNvPr id="3" name="文本占位符 2">
             <a:extLst>
               <a:ext uri="{FF2B5EF4-FFF2-40B4-BE49-F238E27FC236}">
-                <a16:creationId xmlns:a16="http://schemas.microsoft.com/office/drawing/2014/main" id="{C0B3043B-E2BC-4E9B-E3C4-DADEEFE4B87D}"/>
+                <a16:creationId xmlns:a16="http://schemas.microsoft.com/office/drawing/2014/main" id="{8201A4B1-0BAD-A758-FBD8-E21DD04A90DD}"/>
               </a:ext>
             </a:extLst>
           </p:cNvPr>
@@ -1597,7 +1597,7 @@
           <p:cNvPr id="4" name="内容占位符 3">
             <a:extLst>
               <a:ext uri="{FF2B5EF4-FFF2-40B4-BE49-F238E27FC236}">
-                <a16:creationId xmlns:a16="http://schemas.microsoft.com/office/drawing/2014/main" id="{1A5A624F-F385-0462-4702-9ED8B5F333F1}"/>
+                <a16:creationId xmlns:a16="http://schemas.microsoft.com/office/drawing/2014/main" id="{FADA4003-E24B-017F-35F0-945C537E50E5}"/>
               </a:ext>
             </a:extLst>
           </p:cNvPr>
@@ -1659,7 +1659,7 @@
           <p:cNvPr id="5" name="文本占位符 4">
             <a:extLst>
               <a:ext uri="{FF2B5EF4-FFF2-40B4-BE49-F238E27FC236}">
-                <a16:creationId xmlns:a16="http://schemas.microsoft.com/office/drawing/2014/main" id="{2B6BFF66-6982-C086-75B8-13BEC3C7ADDE}"/>
+                <a16:creationId xmlns:a16="http://schemas.microsoft.com/office/drawing/2014/main" id="{2F44501B-F507-EF35-E663-24814096D3E1}"/>
               </a:ext>
             </a:extLst>
           </p:cNvPr>
@@ -1730,7 +1730,7 @@
           <p:cNvPr id="6" name="内容占位符 5">
             <a:extLst>
               <a:ext uri="{FF2B5EF4-FFF2-40B4-BE49-F238E27FC236}">
-                <a16:creationId xmlns:a16="http://schemas.microsoft.com/office/drawing/2014/main" id="{62477F37-B05A-18EF-675B-1EDC0C91F66C}"/>
+                <a16:creationId xmlns:a16="http://schemas.microsoft.com/office/drawing/2014/main" id="{163A99E0-D274-0D7E-8293-DD60C64EFA2C}"/>
               </a:ext>
             </a:extLst>
           </p:cNvPr>
@@ -1792,7 +1792,7 @@
           <p:cNvPr id="7" name="日期占位符 6">
             <a:extLst>
               <a:ext uri="{FF2B5EF4-FFF2-40B4-BE49-F238E27FC236}">
-                <a16:creationId xmlns:a16="http://schemas.microsoft.com/office/drawing/2014/main" id="{2D4F6B77-B5BF-BE16-A64F-3C5254165F33}"/>
+                <a16:creationId xmlns:a16="http://schemas.microsoft.com/office/drawing/2014/main" id="{8328DF94-8F17-9CF0-99A3-1955DF7E5B60}"/>
               </a:ext>
             </a:extLst>
           </p:cNvPr>
@@ -1808,7 +1808,7 @@
           <a:bodyPr/>
           <a:lstStyle/>
           <a:p>
-            <a:fld id="{02BCC9E6-7896-4C53-9140-261BAB4FE0CE}" type="datetimeFigureOut">
+            <a:fld id="{2D9DC7C4-977D-4195-8452-96EC12BB99B4}" type="datetimeFigureOut">
               <a:rPr lang="zh-CN" altLang="en-US" smtClean="0"/>
               <a:t>2024/3/10</a:t>
             </a:fld>
@@ -1821,7 +1821,7 @@
           <p:cNvPr id="8" name="页脚占位符 7">
             <a:extLst>
               <a:ext uri="{FF2B5EF4-FFF2-40B4-BE49-F238E27FC236}">
-                <a16:creationId xmlns:a16="http://schemas.microsoft.com/office/drawing/2014/main" id="{1FDE542B-7768-A62F-87D0-2FCD567C031F}"/>
+                <a16:creationId xmlns:a16="http://schemas.microsoft.com/office/drawing/2014/main" id="{6983904F-CD69-1EDD-41CF-553E869930D6}"/>
               </a:ext>
             </a:extLst>
           </p:cNvPr>
@@ -1846,7 +1846,7 @@
           <p:cNvPr id="9" name="灯片编号占位符 8">
             <a:extLst>
               <a:ext uri="{FF2B5EF4-FFF2-40B4-BE49-F238E27FC236}">
-                <a16:creationId xmlns:a16="http://schemas.microsoft.com/office/drawing/2014/main" id="{BB764F1D-B91A-4CFC-493E-90DCD3ABCF83}"/>
+                <a16:creationId xmlns:a16="http://schemas.microsoft.com/office/drawing/2014/main" id="{091A4A5E-0348-3345-4C61-2CEB751E2E84}"/>
               </a:ext>
             </a:extLst>
           </p:cNvPr>
@@ -1862,7 +1862,7 @@
           <a:bodyPr/>
           <a:lstStyle/>
           <a:p>
-            <a:fld id="{D2A8C7BD-5BBD-40C0-B9C2-D862722F980D}" type="slidenum">
+            <a:fld id="{9D92C1EC-5805-4333-BD51-CE2AB297D5CE}" type="slidenum">
               <a:rPr lang="zh-CN" altLang="en-US" smtClean="0"/>
               <a:t>‹#›</a:t>
             </a:fld>
@@ -1873,7 +1873,7 @@
     </p:spTree>
     <p:extLst>
       <p:ext uri="{BB962C8B-B14F-4D97-AF65-F5344CB8AC3E}">
-        <p14:creationId xmlns:p14="http://schemas.microsoft.com/office/powerpoint/2010/main" val="1193792047"/>
+        <p14:creationId xmlns:p14="http://schemas.microsoft.com/office/powerpoint/2010/main" val="825135257"/>
       </p:ext>
     </p:extLst>
   </p:cSld>
@@ -1905,7 +1905,7 @@
           <p:cNvPr id="2" name="标题 1">
             <a:extLst>
               <a:ext uri="{FF2B5EF4-FFF2-40B4-BE49-F238E27FC236}">
-                <a16:creationId xmlns:a16="http://schemas.microsoft.com/office/drawing/2014/main" id="{ABAF4567-F60B-FBF0-61D9-FD393509D922}"/>
+                <a16:creationId xmlns:a16="http://schemas.microsoft.com/office/drawing/2014/main" id="{AD467F72-D6AD-A1CD-A312-359EAE1B39E7}"/>
               </a:ext>
             </a:extLst>
           </p:cNvPr>
@@ -1933,7 +1933,7 @@
           <p:cNvPr id="3" name="日期占位符 2">
             <a:extLst>
               <a:ext uri="{FF2B5EF4-FFF2-40B4-BE49-F238E27FC236}">
-                <a16:creationId xmlns:a16="http://schemas.microsoft.com/office/drawing/2014/main" id="{164767E3-4BCA-D451-0E24-CC995ECC5DB4}"/>
+                <a16:creationId xmlns:a16="http://schemas.microsoft.com/office/drawing/2014/main" id="{E6A298AA-A2AF-6A51-0AFD-68D4649EA15F}"/>
               </a:ext>
             </a:extLst>
           </p:cNvPr>
@@ -1949,7 +1949,7 @@
           <a:bodyPr/>
           <a:lstStyle/>
           <a:p>
-            <a:fld id="{02BCC9E6-7896-4C53-9140-261BAB4FE0CE}" type="datetimeFigureOut">
+            <a:fld id="{2D9DC7C4-977D-4195-8452-96EC12BB99B4}" type="datetimeFigureOut">
               <a:rPr lang="zh-CN" altLang="en-US" smtClean="0"/>
               <a:t>2024/3/10</a:t>
             </a:fld>
@@ -1962,7 +1962,7 @@
           <p:cNvPr id="4" name="页脚占位符 3">
             <a:extLst>
               <a:ext uri="{FF2B5EF4-FFF2-40B4-BE49-F238E27FC236}">
-                <a16:creationId xmlns:a16="http://schemas.microsoft.com/office/drawing/2014/main" id="{F35F6806-46FC-D9EE-B51D-54A5E5DEBB8F}"/>
+                <a16:creationId xmlns:a16="http://schemas.microsoft.com/office/drawing/2014/main" id="{CF5CFB62-1010-3013-3900-0739E1D6FC0F}"/>
               </a:ext>
             </a:extLst>
           </p:cNvPr>
@@ -1987,7 +1987,7 @@
           <p:cNvPr id="5" name="灯片编号占位符 4">
             <a:extLst>
               <a:ext uri="{FF2B5EF4-FFF2-40B4-BE49-F238E27FC236}">
-                <a16:creationId xmlns:a16="http://schemas.microsoft.com/office/drawing/2014/main" id="{7369B84A-27DA-54ED-7AB9-7DB441246053}"/>
+                <a16:creationId xmlns:a16="http://schemas.microsoft.com/office/drawing/2014/main" id="{7CF21838-9D5C-D8C5-1868-A4DCC35E5ABF}"/>
               </a:ext>
             </a:extLst>
           </p:cNvPr>
@@ -2003,7 +2003,7 @@
           <a:bodyPr/>
           <a:lstStyle/>
           <a:p>
-            <a:fld id="{D2A8C7BD-5BBD-40C0-B9C2-D862722F980D}" type="slidenum">
+            <a:fld id="{9D92C1EC-5805-4333-BD51-CE2AB297D5CE}" type="slidenum">
               <a:rPr lang="zh-CN" altLang="en-US" smtClean="0"/>
               <a:t>‹#›</a:t>
             </a:fld>
@@ -2014,7 +2014,7 @@
     </p:spTree>
     <p:extLst>
       <p:ext uri="{BB962C8B-B14F-4D97-AF65-F5344CB8AC3E}">
-        <p14:creationId xmlns:p14="http://schemas.microsoft.com/office/powerpoint/2010/main" val="4094015399"/>
+        <p14:creationId xmlns:p14="http://schemas.microsoft.com/office/powerpoint/2010/main" val="295197880"/>
       </p:ext>
     </p:extLst>
   </p:cSld>
@@ -2046,7 +2046,7 @@
           <p:cNvPr id="2" name="日期占位符 1">
             <a:extLst>
               <a:ext uri="{FF2B5EF4-FFF2-40B4-BE49-F238E27FC236}">
-                <a16:creationId xmlns:a16="http://schemas.microsoft.com/office/drawing/2014/main" id="{4E92FCF9-6E32-4DDA-241D-CEBEF66B7D2A}"/>
+                <a16:creationId xmlns:a16="http://schemas.microsoft.com/office/drawing/2014/main" id="{76A7FE27-5938-9A25-778A-6BE70D4D78A4}"/>
               </a:ext>
             </a:extLst>
           </p:cNvPr>
@@ -2062,7 +2062,7 @@
           <a:bodyPr/>
           <a:lstStyle/>
           <a:p>
-            <a:fld id="{02BCC9E6-7896-4C53-9140-261BAB4FE0CE}" type="datetimeFigureOut">
+            <a:fld id="{2D9DC7C4-977D-4195-8452-96EC12BB99B4}" type="datetimeFigureOut">
               <a:rPr lang="zh-CN" altLang="en-US" smtClean="0"/>
               <a:t>2024/3/10</a:t>
             </a:fld>
@@ -2075,7 +2075,7 @@
           <p:cNvPr id="3" name="页脚占位符 2">
             <a:extLst>
               <a:ext uri="{FF2B5EF4-FFF2-40B4-BE49-F238E27FC236}">
-                <a16:creationId xmlns:a16="http://schemas.microsoft.com/office/drawing/2014/main" id="{BCB3EF4B-430C-C71C-293D-6D271E9FFBEB}"/>
+                <a16:creationId xmlns:a16="http://schemas.microsoft.com/office/drawing/2014/main" id="{DAA6D473-6DCE-7B2A-AE7E-1AE0618FFF28}"/>
               </a:ext>
             </a:extLst>
           </p:cNvPr>
@@ -2100,7 +2100,7 @@
           <p:cNvPr id="4" name="灯片编号占位符 3">
             <a:extLst>
               <a:ext uri="{FF2B5EF4-FFF2-40B4-BE49-F238E27FC236}">
-                <a16:creationId xmlns:a16="http://schemas.microsoft.com/office/drawing/2014/main" id="{BA41099D-E9FF-7F3D-B6BB-14372F2E5D08}"/>
+                <a16:creationId xmlns:a16="http://schemas.microsoft.com/office/drawing/2014/main" id="{FA1753F5-1E06-1C73-6D82-8376C0E7D880}"/>
               </a:ext>
             </a:extLst>
           </p:cNvPr>
@@ -2116,7 +2116,7 @@
           <a:bodyPr/>
           <a:lstStyle/>
           <a:p>
-            <a:fld id="{D2A8C7BD-5BBD-40C0-B9C2-D862722F980D}" type="slidenum">
+            <a:fld id="{9D92C1EC-5805-4333-BD51-CE2AB297D5CE}" type="slidenum">
               <a:rPr lang="zh-CN" altLang="en-US" smtClean="0"/>
               <a:t>‹#›</a:t>
             </a:fld>
@@ -2127,7 +2127,7 @@
     </p:spTree>
     <p:extLst>
       <p:ext uri="{BB962C8B-B14F-4D97-AF65-F5344CB8AC3E}">
-        <p14:creationId xmlns:p14="http://schemas.microsoft.com/office/powerpoint/2010/main" val="1361571935"/>
+        <p14:creationId xmlns:p14="http://schemas.microsoft.com/office/powerpoint/2010/main" val="4202869626"/>
       </p:ext>
     </p:extLst>
   </p:cSld>
@@ -2159,7 +2159,7 @@
           <p:cNvPr id="2" name="标题 1">
             <a:extLst>
               <a:ext uri="{FF2B5EF4-FFF2-40B4-BE49-F238E27FC236}">
-                <a16:creationId xmlns:a16="http://schemas.microsoft.com/office/drawing/2014/main" id="{9663B188-6A29-9065-953F-CC80BE79C928}"/>
+                <a16:creationId xmlns:a16="http://schemas.microsoft.com/office/drawing/2014/main" id="{284490CE-9400-CCDB-3B2B-A83106CD2B15}"/>
               </a:ext>
             </a:extLst>
           </p:cNvPr>
@@ -2196,7 +2196,7 @@
           <p:cNvPr id="3" name="内容占位符 2">
             <a:extLst>
               <a:ext uri="{FF2B5EF4-FFF2-40B4-BE49-F238E27FC236}">
-                <a16:creationId xmlns:a16="http://schemas.microsoft.com/office/drawing/2014/main" id="{9C329750-957D-B151-5E3C-DB009E8FFD3D}"/>
+                <a16:creationId xmlns:a16="http://schemas.microsoft.com/office/drawing/2014/main" id="{B84A76DC-0E32-C76F-BF8B-997BA1F0F0EB}"/>
               </a:ext>
             </a:extLst>
           </p:cNvPr>
@@ -2286,7 +2286,7 @@
           <p:cNvPr id="4" name="文本占位符 3">
             <a:extLst>
               <a:ext uri="{FF2B5EF4-FFF2-40B4-BE49-F238E27FC236}">
-                <a16:creationId xmlns:a16="http://schemas.microsoft.com/office/drawing/2014/main" id="{4C9D194F-DC1D-5624-1F0E-C1C872E513CE}"/>
+                <a16:creationId xmlns:a16="http://schemas.microsoft.com/office/drawing/2014/main" id="{1C63878B-B6DD-379C-71EA-664249879A88}"/>
               </a:ext>
             </a:extLst>
           </p:cNvPr>
@@ -2357,7 +2357,7 @@
           <p:cNvPr id="5" name="日期占位符 4">
             <a:extLst>
               <a:ext uri="{FF2B5EF4-FFF2-40B4-BE49-F238E27FC236}">
-                <a16:creationId xmlns:a16="http://schemas.microsoft.com/office/drawing/2014/main" id="{EABBF998-0259-04C2-80FE-F81B97FF214D}"/>
+                <a16:creationId xmlns:a16="http://schemas.microsoft.com/office/drawing/2014/main" id="{D9B01688-121D-920A-B542-02E309A1AFD9}"/>
               </a:ext>
             </a:extLst>
           </p:cNvPr>
@@ -2373,7 +2373,7 @@
           <a:bodyPr/>
           <a:lstStyle/>
           <a:p>
-            <a:fld id="{02BCC9E6-7896-4C53-9140-261BAB4FE0CE}" type="datetimeFigureOut">
+            <a:fld id="{2D9DC7C4-977D-4195-8452-96EC12BB99B4}" type="datetimeFigureOut">
               <a:rPr lang="zh-CN" altLang="en-US" smtClean="0"/>
               <a:t>2024/3/10</a:t>
             </a:fld>
@@ -2386,7 +2386,7 @@
           <p:cNvPr id="6" name="页脚占位符 5">
             <a:extLst>
               <a:ext uri="{FF2B5EF4-FFF2-40B4-BE49-F238E27FC236}">
-                <a16:creationId xmlns:a16="http://schemas.microsoft.com/office/drawing/2014/main" id="{6A4392C0-2CC0-5693-D6A7-85933563FA44}"/>
+                <a16:creationId xmlns:a16="http://schemas.microsoft.com/office/drawing/2014/main" id="{ADFB2CFF-4898-4367-3339-EC3116367A7A}"/>
               </a:ext>
             </a:extLst>
           </p:cNvPr>
@@ -2411,7 +2411,7 @@
           <p:cNvPr id="7" name="灯片编号占位符 6">
             <a:extLst>
               <a:ext uri="{FF2B5EF4-FFF2-40B4-BE49-F238E27FC236}">
-                <a16:creationId xmlns:a16="http://schemas.microsoft.com/office/drawing/2014/main" id="{69DC626C-C346-2683-F122-8FC644E139E8}"/>
+                <a16:creationId xmlns:a16="http://schemas.microsoft.com/office/drawing/2014/main" id="{087AFF48-8009-3D21-7ED2-BB66A402F335}"/>
               </a:ext>
             </a:extLst>
           </p:cNvPr>
@@ -2427,7 +2427,7 @@
           <a:bodyPr/>
           <a:lstStyle/>
           <a:p>
-            <a:fld id="{D2A8C7BD-5BBD-40C0-B9C2-D862722F980D}" type="slidenum">
+            <a:fld id="{9D92C1EC-5805-4333-BD51-CE2AB297D5CE}" type="slidenum">
               <a:rPr lang="zh-CN" altLang="en-US" smtClean="0"/>
               <a:t>‹#›</a:t>
             </a:fld>
@@ -2438,7 +2438,7 @@
     </p:spTree>
     <p:extLst>
       <p:ext uri="{BB962C8B-B14F-4D97-AF65-F5344CB8AC3E}">
-        <p14:creationId xmlns:p14="http://schemas.microsoft.com/office/powerpoint/2010/main" val="2521539216"/>
+        <p14:creationId xmlns:p14="http://schemas.microsoft.com/office/powerpoint/2010/main" val="1010029716"/>
       </p:ext>
     </p:extLst>
   </p:cSld>
@@ -2470,7 +2470,7 @@
           <p:cNvPr id="2" name="标题 1">
             <a:extLst>
               <a:ext uri="{FF2B5EF4-FFF2-40B4-BE49-F238E27FC236}">
-                <a16:creationId xmlns:a16="http://schemas.microsoft.com/office/drawing/2014/main" id="{729A71BC-83B3-025A-1DF4-F7D958730FEF}"/>
+                <a16:creationId xmlns:a16="http://schemas.microsoft.com/office/drawing/2014/main" id="{1C07FBB8-F33B-733B-420F-A187DA45E9AB}"/>
               </a:ext>
             </a:extLst>
           </p:cNvPr>
@@ -2507,7 +2507,7 @@
           <p:cNvPr id="3" name="图片占位符 2">
             <a:extLst>
               <a:ext uri="{FF2B5EF4-FFF2-40B4-BE49-F238E27FC236}">
-                <a16:creationId xmlns:a16="http://schemas.microsoft.com/office/drawing/2014/main" id="{8BA37B7D-420E-7F20-CA9B-0868152A4DB6}"/>
+                <a16:creationId xmlns:a16="http://schemas.microsoft.com/office/drawing/2014/main" id="{9285E164-5539-C1E2-F681-FCD3986281FF}"/>
               </a:ext>
             </a:extLst>
           </p:cNvPr>
@@ -2574,7 +2574,7 @@
           <p:cNvPr id="4" name="文本占位符 3">
             <a:extLst>
               <a:ext uri="{FF2B5EF4-FFF2-40B4-BE49-F238E27FC236}">
-                <a16:creationId xmlns:a16="http://schemas.microsoft.com/office/drawing/2014/main" id="{581A03D7-8FD2-C512-C9CA-8564C322D0E4}"/>
+                <a16:creationId xmlns:a16="http://schemas.microsoft.com/office/drawing/2014/main" id="{C01F138A-30EB-F89D-3B52-CFB402AB2E58}"/>
               </a:ext>
             </a:extLst>
           </p:cNvPr>
@@ -2645,7 +2645,7 @@
           <p:cNvPr id="5" name="日期占位符 4">
             <a:extLst>
               <a:ext uri="{FF2B5EF4-FFF2-40B4-BE49-F238E27FC236}">
-                <a16:creationId xmlns:a16="http://schemas.microsoft.com/office/drawing/2014/main" id="{A158A24A-6844-C4A1-5AA2-CF7705D17BAD}"/>
+                <a16:creationId xmlns:a16="http://schemas.microsoft.com/office/drawing/2014/main" id="{EE4ECF0D-7251-2BF3-967D-FFA7714A763C}"/>
               </a:ext>
             </a:extLst>
           </p:cNvPr>
@@ -2661,7 +2661,7 @@
           <a:bodyPr/>
           <a:lstStyle/>
           <a:p>
-            <a:fld id="{02BCC9E6-7896-4C53-9140-261BAB4FE0CE}" type="datetimeFigureOut">
+            <a:fld id="{2D9DC7C4-977D-4195-8452-96EC12BB99B4}" type="datetimeFigureOut">
               <a:rPr lang="zh-CN" altLang="en-US" smtClean="0"/>
               <a:t>2024/3/10</a:t>
             </a:fld>
@@ -2674,7 +2674,7 @@
           <p:cNvPr id="6" name="页脚占位符 5">
             <a:extLst>
               <a:ext uri="{FF2B5EF4-FFF2-40B4-BE49-F238E27FC236}">
-                <a16:creationId xmlns:a16="http://schemas.microsoft.com/office/drawing/2014/main" id="{61B19F9D-DCC5-7BBD-D519-6D9F87186C14}"/>
+                <a16:creationId xmlns:a16="http://schemas.microsoft.com/office/drawing/2014/main" id="{4D241C29-E212-5C04-B3FC-6F9A3671E297}"/>
               </a:ext>
             </a:extLst>
           </p:cNvPr>
@@ -2699,7 +2699,7 @@
           <p:cNvPr id="7" name="灯片编号占位符 6">
             <a:extLst>
               <a:ext uri="{FF2B5EF4-FFF2-40B4-BE49-F238E27FC236}">
-                <a16:creationId xmlns:a16="http://schemas.microsoft.com/office/drawing/2014/main" id="{90A2D226-112E-47D1-9520-88CB8BB00D45}"/>
+                <a16:creationId xmlns:a16="http://schemas.microsoft.com/office/drawing/2014/main" id="{10997D75-15A8-2269-4618-CD9BF04FF65F}"/>
               </a:ext>
             </a:extLst>
           </p:cNvPr>
@@ -2715,7 +2715,7 @@
           <a:bodyPr/>
           <a:lstStyle/>
           <a:p>
-            <a:fld id="{D2A8C7BD-5BBD-40C0-B9C2-D862722F980D}" type="slidenum">
+            <a:fld id="{9D92C1EC-5805-4333-BD51-CE2AB297D5CE}" type="slidenum">
               <a:rPr lang="zh-CN" altLang="en-US" smtClean="0"/>
               <a:t>‹#›</a:t>
             </a:fld>
@@ -2726,7 +2726,7 @@
     </p:spTree>
     <p:extLst>
       <p:ext uri="{BB962C8B-B14F-4D97-AF65-F5344CB8AC3E}">
-        <p14:creationId xmlns:p14="http://schemas.microsoft.com/office/powerpoint/2010/main" val="4290184316"/>
+        <p14:creationId xmlns:p14="http://schemas.microsoft.com/office/powerpoint/2010/main" val="1639288963"/>
       </p:ext>
     </p:extLst>
   </p:cSld>
@@ -2763,7 +2763,7 @@
           <p:cNvPr id="2" name="标题占位符 1">
             <a:extLst>
               <a:ext uri="{FF2B5EF4-FFF2-40B4-BE49-F238E27FC236}">
-                <a16:creationId xmlns:a16="http://schemas.microsoft.com/office/drawing/2014/main" id="{7B93EBF1-62B5-2880-456A-CC91D48D1EC4}"/>
+                <a16:creationId xmlns:a16="http://schemas.microsoft.com/office/drawing/2014/main" id="{A06F6000-5960-4391-51C0-0A5D90259358}"/>
               </a:ext>
             </a:extLst>
           </p:cNvPr>
@@ -2801,7 +2801,7 @@
           <p:cNvPr id="3" name="文本占位符 2">
             <a:extLst>
               <a:ext uri="{FF2B5EF4-FFF2-40B4-BE49-F238E27FC236}">
-                <a16:creationId xmlns:a16="http://schemas.microsoft.com/office/drawing/2014/main" id="{24C14715-ED48-ED58-FD0B-48EF3503132C}"/>
+                <a16:creationId xmlns:a16="http://schemas.microsoft.com/office/drawing/2014/main" id="{4A6E7547-BD5B-4157-7625-1D460EACE5E5}"/>
               </a:ext>
             </a:extLst>
           </p:cNvPr>
@@ -2868,7 +2868,7 @@
           <p:cNvPr id="4" name="日期占位符 3">
             <a:extLst>
               <a:ext uri="{FF2B5EF4-FFF2-40B4-BE49-F238E27FC236}">
-                <a16:creationId xmlns:a16="http://schemas.microsoft.com/office/drawing/2014/main" id="{CB43CEAA-F9B3-7BDD-7CEE-68F9F31769A2}"/>
+                <a16:creationId xmlns:a16="http://schemas.microsoft.com/office/drawing/2014/main" id="{AD7B5B69-37C7-E8C0-C5FE-F05590B7DA3D}"/>
               </a:ext>
             </a:extLst>
           </p:cNvPr>
@@ -2902,7 +2902,7 @@
             </a:lvl1pPr>
           </a:lstStyle>
           <a:p>
-            <a:fld id="{02BCC9E6-7896-4C53-9140-261BAB4FE0CE}" type="datetimeFigureOut">
+            <a:fld id="{2D9DC7C4-977D-4195-8452-96EC12BB99B4}" type="datetimeFigureOut">
               <a:rPr lang="zh-CN" altLang="en-US" smtClean="0"/>
               <a:t>2024/3/10</a:t>
             </a:fld>
@@ -2915,7 +2915,7 @@
           <p:cNvPr id="5" name="页脚占位符 4">
             <a:extLst>
               <a:ext uri="{FF2B5EF4-FFF2-40B4-BE49-F238E27FC236}">
-                <a16:creationId xmlns:a16="http://schemas.microsoft.com/office/drawing/2014/main" id="{EFCD96B1-EE78-87C9-0F67-9EB94BFD4494}"/>
+                <a16:creationId xmlns:a16="http://schemas.microsoft.com/office/drawing/2014/main" id="{FD6089E3-494C-9CB9-23B5-66FFF39F842A}"/>
               </a:ext>
             </a:extLst>
           </p:cNvPr>
@@ -2958,7 +2958,7 @@
           <p:cNvPr id="6" name="灯片编号占位符 5">
             <a:extLst>
               <a:ext uri="{FF2B5EF4-FFF2-40B4-BE49-F238E27FC236}">
-                <a16:creationId xmlns:a16="http://schemas.microsoft.com/office/drawing/2014/main" id="{444486DC-927B-EDEC-D20B-1B79AA318ABF}"/>
+                <a16:creationId xmlns:a16="http://schemas.microsoft.com/office/drawing/2014/main" id="{C72A4F58-519E-D1A8-78E8-1D698BE6FD74}"/>
               </a:ext>
             </a:extLst>
           </p:cNvPr>
@@ -2992,7 +2992,7 @@
             </a:lvl1pPr>
           </a:lstStyle>
           <a:p>
-            <a:fld id="{D2A8C7BD-5BBD-40C0-B9C2-D862722F980D}" type="slidenum">
+            <a:fld id="{9D92C1EC-5805-4333-BD51-CE2AB297D5CE}" type="slidenum">
               <a:rPr lang="zh-CN" altLang="en-US" smtClean="0"/>
               <a:t>‹#›</a:t>
             </a:fld>
@@ -3003,7 +3003,7 @@
     </p:spTree>
     <p:extLst>
       <p:ext uri="{BB962C8B-B14F-4D97-AF65-F5344CB8AC3E}">
-        <p14:creationId xmlns:p14="http://schemas.microsoft.com/office/powerpoint/2010/main" val="71660962"/>
+        <p14:creationId xmlns:p14="http://schemas.microsoft.com/office/powerpoint/2010/main" val="427836427"/>
       </p:ext>
     </p:extLst>
   </p:cSld>
@@ -3323,7 +3323,7 @@
       </p:grpSpPr>
       <p:pic>
         <p:nvPicPr>
-          <p:cNvPr id="1325058" name="Picture 2" descr="1293"/>
+          <p:cNvPr id="1326082" name="Picture 2" descr="1294"/>
           <p:cNvPicPr>
             <a:picLocks noChangeAspect="1" noChangeArrowheads="1"/>
           </p:cNvPicPr>
@@ -3345,7 +3345,7 @@
         <p:spPr bwMode="auto">
           <a:xfrm>
             <a:off x="1524000" y="0"/>
-            <a:ext cx="9144000" cy="6858000"/>
+            <a:ext cx="9144000" cy="5734050"/>
           </a:xfrm>
           <a:prstGeom prst="rect">
             <a:avLst/>
